--- a/Woche-1_(Introduction)/Geodatenanalyse_Präsentation_Vorbesprechung.pptx
+++ b/Woche-1_(Introduction)/Geodatenanalyse_Präsentation_Vorbesprechung.pptx
@@ -13,7 +13,7 @@
     <p:sldId id="408" r:id="rId4"/>
     <p:sldId id="409" r:id="rId5"/>
     <p:sldId id="275" r:id="rId6"/>
-    <p:sldId id="410" r:id="rId7"/>
+    <p:sldId id="422" r:id="rId7"/>
     <p:sldId id="418" r:id="rId8"/>
     <p:sldId id="420" r:id="rId9"/>
     <p:sldId id="402" r:id="rId10"/>
@@ -142,6 +142,82 @@
 </p:presentation>
 </file>
 
+<file path=ppt/revisionInfo.xml><?xml version="1.0" encoding="utf-8"?>
+<p1510:revInfo xmlns:a="http://schemas.openxmlformats.org/drawingml/2006/main" xmlns:r="http://schemas.openxmlformats.org/officeDocument/2006/relationships" xmlns:p1510="http://schemas.microsoft.com/office/powerpoint/2015/10/main">
+  <p1510:revLst>
+    <p1510:client id="{A7148A15-430B-481D-8817-0C5E6BF12D9C}" v="7" dt="2021-04-06T10:19:24.767"/>
+  </p1510:revLst>
+</p1510:revInfo>
+</file>
+
+<file path=ppt/changesInfos/changesInfo1.xml><?xml version="1.0" encoding="utf-8"?>
+<pc:chgInfo xmlns:a="http://schemas.openxmlformats.org/drawingml/2006/main" xmlns:r="http://schemas.openxmlformats.org/officeDocument/2006/relationships" xmlns:ac="http://schemas.microsoft.com/office/drawing/2013/main/command" xmlns:pc="http://schemas.microsoft.com/office/powerpoint/2013/main/command">
+  <pc:docChgLst>
+    <pc:chgData name="Gabriel Rau" userId="122ed023-10ac-44cd-a965-955e46ad430f" providerId="ADAL" clId="{A7148A15-430B-481D-8817-0C5E6BF12D9C}"/>
+    <pc:docChg chg="undo custSel addSld delSld modSld">
+      <pc:chgData name="Gabriel Rau" userId="122ed023-10ac-44cd-a965-955e46ad430f" providerId="ADAL" clId="{A7148A15-430B-481D-8817-0C5E6BF12D9C}" dt="2021-04-06T10:24:35.519" v="603" actId="20577"/>
+      <pc:docMkLst>
+        <pc:docMk/>
+      </pc:docMkLst>
+      <pc:sldChg chg="del">
+        <pc:chgData name="Gabriel Rau" userId="122ed023-10ac-44cd-a965-955e46ad430f" providerId="ADAL" clId="{A7148A15-430B-481D-8817-0C5E6BF12D9C}" dt="2021-04-06T10:15:40.836" v="1" actId="47"/>
+        <pc:sldMkLst>
+          <pc:docMk/>
+          <pc:sldMk cId="704257644" sldId="410"/>
+        </pc:sldMkLst>
+      </pc:sldChg>
+      <pc:sldChg chg="addSp delSp modSp add mod">
+        <pc:chgData name="Gabriel Rau" userId="122ed023-10ac-44cd-a965-955e46ad430f" providerId="ADAL" clId="{A7148A15-430B-481D-8817-0C5E6BF12D9C}" dt="2021-04-06T10:24:35.519" v="603" actId="20577"/>
+        <pc:sldMkLst>
+          <pc:docMk/>
+          <pc:sldMk cId="3786255008" sldId="422"/>
+        </pc:sldMkLst>
+        <pc:spChg chg="mod">
+          <ac:chgData name="Gabriel Rau" userId="122ed023-10ac-44cd-a965-955e46ad430f" providerId="ADAL" clId="{A7148A15-430B-481D-8817-0C5E6BF12D9C}" dt="2021-04-06T10:24:35.519" v="603" actId="20577"/>
+          <ac:spMkLst>
+            <pc:docMk/>
+            <pc:sldMk cId="3786255008" sldId="422"/>
+            <ac:spMk id="8" creationId="{00000000-0000-0000-0000-000000000000}"/>
+          </ac:spMkLst>
+        </pc:spChg>
+        <pc:spChg chg="mod">
+          <ac:chgData name="Gabriel Rau" userId="122ed023-10ac-44cd-a965-955e46ad430f" providerId="ADAL" clId="{A7148A15-430B-481D-8817-0C5E6BF12D9C}" dt="2021-04-06T10:16:38.417" v="29" actId="122"/>
+          <ac:spMkLst>
+            <pc:docMk/>
+            <pc:sldMk cId="3786255008" sldId="422"/>
+            <ac:spMk id="9" creationId="{00000000-0000-0000-0000-000000000000}"/>
+          </ac:spMkLst>
+        </pc:spChg>
+        <pc:picChg chg="add del mod">
+          <ac:chgData name="Gabriel Rau" userId="122ed023-10ac-44cd-a965-955e46ad430f" providerId="ADAL" clId="{A7148A15-430B-481D-8817-0C5E6BF12D9C}" dt="2021-04-06T10:16:15.982" v="4"/>
+          <ac:picMkLst>
+            <pc:docMk/>
+            <pc:sldMk cId="3786255008" sldId="422"/>
+            <ac:picMk id="6" creationId="{347549E7-3480-4B4D-BDE3-1AE7568F529D}"/>
+          </ac:picMkLst>
+        </pc:picChg>
+        <pc:picChg chg="add del">
+          <ac:chgData name="Gabriel Rau" userId="122ed023-10ac-44cd-a965-955e46ad430f" providerId="ADAL" clId="{A7148A15-430B-481D-8817-0C5E6BF12D9C}" dt="2021-04-06T10:16:30.065" v="17" actId="478"/>
+          <ac:picMkLst>
+            <pc:docMk/>
+            <pc:sldMk cId="3786255008" sldId="422"/>
+            <ac:picMk id="10" creationId="{0F122493-7B5B-469E-84EC-B49AF62FA88F}"/>
+          </ac:picMkLst>
+        </pc:picChg>
+        <pc:picChg chg="add mod ord">
+          <ac:chgData name="Gabriel Rau" userId="122ed023-10ac-44cd-a965-955e46ad430f" providerId="ADAL" clId="{A7148A15-430B-481D-8817-0C5E6BF12D9C}" dt="2021-04-06T10:16:28.187" v="16" actId="167"/>
+          <ac:picMkLst>
+            <pc:docMk/>
+            <pc:sldMk cId="3786255008" sldId="422"/>
+            <ac:picMk id="11" creationId="{90A81345-3A09-4A3B-8A13-F3F70D922358}"/>
+          </ac:picMkLst>
+        </pc:picChg>
+      </pc:sldChg>
+    </pc:docChg>
+  </pc:docChgLst>
+</pc:chgInfo>
+</file>
+
 <file path=ppt/notesMasters/notesMaster1.xml><?xml version="1.0" encoding="utf-8"?>
 <p:notesMaster xmlns:a="http://schemas.openxmlformats.org/drawingml/2006/main" xmlns:r="http://schemas.openxmlformats.org/officeDocument/2006/relationships" xmlns:p="http://schemas.openxmlformats.org/presentationml/2006/main">
   <p:cSld>
@@ -382,7 +458,7 @@
           <a:p>
             <a:fld id="{E13F729A-0AF0-4995-B32B-9504BC68960C}" type="slidenum">
               <a:rPr lang="de-DE" smtClean="0"/>
-              <a:t>‹Nr.›</a:t>
+              <a:t>‹#›</a:t>
             </a:fld>
             <a:endParaRPr lang="de-DE"/>
           </a:p>
@@ -917,10 +993,6 @@
               <a:rPr lang="de-DE" dirty="0" err="1"/>
               <a:t>bold</a:t>
             </a:r>
-            <a:r>
-              <a:rPr lang="de-DE" dirty="0"/>
-              <a:t/>
-            </a:r>
             <a:br>
               <a:rPr lang="de-DE" dirty="0"/>
             </a:br>
@@ -1152,7 +1224,7 @@
           <a:p>
             <a:fld id="{61696EC4-B4CF-4701-AD06-A8439D6D8E12}" type="slidenum">
               <a:rPr lang="en-US" noProof="0" smtClean="0"/>
-              <a:t>‹Nr.›</a:t>
+              <a:t>‹#›</a:t>
             </a:fld>
             <a:endParaRPr lang="en-US" noProof="0"/>
           </a:p>
@@ -1668,7 +1740,7 @@
           <a:p>
             <a:fld id="{61696EC4-B4CF-4701-AD06-A8439D6D8E12}" type="slidenum">
               <a:rPr lang="de-DE" smtClean="0"/>
-              <a:t>‹Nr.›</a:t>
+              <a:t>‹#›</a:t>
             </a:fld>
             <a:endParaRPr lang="de-DE"/>
           </a:p>
@@ -2114,7 +2186,7 @@
           <a:p>
             <a:fld id="{61696EC4-B4CF-4701-AD06-A8439D6D8E12}" type="slidenum">
               <a:rPr lang="de-DE" smtClean="0"/>
-              <a:t>‹Nr.›</a:t>
+              <a:t>‹#›</a:t>
             </a:fld>
             <a:endParaRPr lang="de-DE"/>
           </a:p>
@@ -2240,7 +2312,7 @@
           <a:p>
             <a:fld id="{61696EC4-B4CF-4701-AD06-A8439D6D8E12}" type="slidenum">
               <a:rPr lang="de-DE" smtClean="0"/>
-              <a:t>‹Nr.›</a:t>
+              <a:t>‹#›</a:t>
             </a:fld>
             <a:endParaRPr lang="de-DE"/>
           </a:p>
@@ -2405,7 +2477,7 @@
           <a:p>
             <a:fld id="{61696EC4-B4CF-4701-AD06-A8439D6D8E12}" type="slidenum">
               <a:rPr lang="de-DE" smtClean="0"/>
-              <a:t>‹Nr.›</a:t>
+              <a:t>‹#›</a:t>
             </a:fld>
             <a:endParaRPr lang="de-DE"/>
           </a:p>
@@ -2773,7 +2845,7 @@
             <a:fld id="{61696EC4-B4CF-4701-AD06-A8439D6D8E12}" type="slidenum">
               <a:rPr lang="en-US" smtClean="0"/>
               <a:pPr/>
-              <a:t>‹Nr.›</a:t>
+              <a:t>‹#›</a:t>
             </a:fld>
             <a:endParaRPr lang="en-US" dirty="0"/>
           </a:p>
@@ -3969,33 +4041,8 @@
             </a:pPr>
             <a:r>
               <a:rPr lang="de-DE" sz="1600" dirty="0"/>
-              <a:t>Der Kurs besteht aus 12 </a:t>
-            </a:r>
-            <a:r>
-              <a:rPr lang="de-DE" sz="1600" dirty="0" smtClean="0"/>
-              <a:t>inhaltlichen </a:t>
-            </a:r>
-            <a:r>
-              <a:rPr lang="de-DE" sz="1600" dirty="0"/>
-              <a:t>Terminen, jeweils mit Theorieteil, Übungen (Python) und </a:t>
-            </a:r>
-            <a:r>
-              <a:rPr lang="de-DE" sz="1600" dirty="0"/>
-              <a:t>Reflektion/Diskussion </a:t>
-            </a:r>
-            <a:r>
-              <a:rPr lang="de-DE" sz="1600" dirty="0" smtClean="0"/>
-              <a:t>(plus Vorbesprechung plus 1 </a:t>
-            </a:r>
-            <a:r>
-              <a:rPr lang="de-DE" sz="1600" dirty="0"/>
-              <a:t>Termin </a:t>
-            </a:r>
-            <a:r>
-              <a:rPr lang="de-DE" sz="1600" dirty="0" smtClean="0"/>
-              <a:t>Reserve/Zeit für Fragen)</a:t>
-            </a:r>
-            <a:endParaRPr lang="de-DE" sz="1600" dirty="0"/>
+              <a:t>Der Kurs besteht aus 12 inhaltlichen Terminen, jeweils mit Theorieteil, Übungen (Python) und Reflektion/Diskussion (plus Vorbesprechung plus 1 Termin Reserve/Zeit für Fragen)</a:t>
+            </a:r>
           </a:p>
           <a:p>
             <a:pPr marL="268288" indent="-268288">
@@ -4583,23 +4630,7 @@
             </a:pPr>
             <a:r>
               <a:rPr lang="de-DE" sz="1600" dirty="0"/>
-              <a:t>Ggf. die Aufgaben aus der Übung zu Ende machen </a:t>
-            </a:r>
-            <a:r>
-              <a:rPr lang="de-DE" sz="1600" dirty="0" smtClean="0"/>
-              <a:t>und/oder </a:t>
-            </a:r>
-            <a:r>
-              <a:rPr lang="de-DE" sz="1600" dirty="0"/>
-              <a:t>zur </a:t>
-            </a:r>
-            <a:r>
-              <a:rPr lang="de-DE" sz="1600" dirty="0" smtClean="0"/>
-              <a:t>Übung bzw. Wiederholung </a:t>
-            </a:r>
-            <a:r>
-              <a:rPr lang="de-DE" sz="1600" dirty="0"/>
-              <a:t>eine weitere Aufgabe anfertigen.</a:t>
+              <a:t>Ggf. die Aufgaben aus der Übung zu Ende machen und/oder zur Übung bzw. Wiederholung eine weitere Aufgabe anfertigen.</a:t>
             </a:r>
           </a:p>
           <a:p>
@@ -5048,16 +5079,10 @@
                     <a:p>
                       <a:pPr marL="72000" rtl="0" fontAlgn="b"/>
                       <a:r>
-                        <a:rPr lang="de-DE" sz="1000" dirty="0" smtClean="0">
-                          <a:effectLst/>
-                        </a:rPr>
-                        <a:t>Vorbesprechung </a:t>
-                      </a:r>
-                      <a:r>
                         <a:rPr lang="de-DE" sz="1000" dirty="0">
                           <a:effectLst/>
                         </a:rPr>
-                        <a:t>und Einrichtung der Entwicklungsumgebung</a:t>
+                        <a:t>Vorbesprechung und Einrichtung der Entwicklungsumgebung</a:t>
                       </a:r>
                     </a:p>
                   </a:txBody>
@@ -5397,43 +5422,19 @@
                         <a:rPr lang="de-DE" sz="1000" dirty="0">
                           <a:effectLst/>
                         </a:rPr>
-                        <a:t>Überwachtes </a:t>
+                        <a:t>Überwachtes Lernen</a:t>
                       </a:r>
                       <a:r>
-                        <a:rPr lang="de-DE" sz="1000" dirty="0" smtClean="0">
-                          <a:effectLst/>
-                        </a:rPr>
-                        <a:t>Lernen</a:t>
-                      </a:r>
-                      <a:r>
-                        <a:rPr lang="de-DE" sz="1000" baseline="0" dirty="0" smtClean="0">
+                        <a:rPr lang="de-DE" sz="1000" baseline="0" dirty="0">
                           <a:effectLst/>
                         </a:rPr>
                         <a:t> (</a:t>
                       </a:r>
                       <a:r>
-                        <a:rPr lang="de-DE" sz="1000" dirty="0" smtClean="0">
-                          <a:effectLst/>
-                        </a:rPr>
-                        <a:t>einfache </a:t>
-                      </a:r>
-                      <a:r>
                         <a:rPr lang="de-DE" sz="1000" dirty="0">
                           <a:effectLst/>
                         </a:rPr>
-                        <a:t>ML </a:t>
-                      </a:r>
-                      <a:r>
-                        <a:rPr lang="de-DE" sz="1000" dirty="0" smtClean="0">
-                          <a:effectLst/>
-                        </a:rPr>
-                        <a:t>Algorithmen),</a:t>
-                      </a:r>
-                      <a:r>
-                        <a:rPr lang="de-DE" sz="1000" dirty="0">
-                          <a:effectLst/>
-                        </a:rPr>
-                        <a:t/>
+                        <a:t>einfache ML Algorithmen),</a:t>
                       </a:r>
                       <a:br>
                         <a:rPr lang="de-DE" sz="1000" dirty="0">
@@ -5450,28 +5451,22 @@
                         <a:rPr lang="de-DE" sz="1000" dirty="0">
                           <a:effectLst/>
                         </a:rPr>
-                        <a:t> </a:t>
+                        <a:t> Lernen</a:t>
                       </a:r>
                       <a:r>
-                        <a:rPr lang="de-DE" sz="1000" dirty="0" smtClean="0">
-                          <a:effectLst/>
-                        </a:rPr>
-                        <a:t>Lernen</a:t>
-                      </a:r>
-                      <a:r>
-                        <a:rPr lang="de-DE" sz="1000" baseline="0" dirty="0" smtClean="0">
+                        <a:rPr lang="de-DE" sz="1000" baseline="0" dirty="0">
                           <a:effectLst/>
                         </a:rPr>
                         <a:t> (</a:t>
                       </a:r>
                       <a:r>
-                        <a:rPr lang="de-DE" sz="1000" dirty="0" smtClean="0">
+                        <a:rPr lang="de-DE" sz="1000" dirty="0">
                           <a:effectLst/>
                         </a:rPr>
                         <a:t>Clustering), </a:t>
                       </a:r>
                       <a:r>
-                        <a:rPr lang="de-DE" sz="1000" dirty="0" err="1" smtClean="0">
+                        <a:rPr lang="de-DE" sz="1000" dirty="0" err="1">
                           <a:effectLst/>
                         </a:rPr>
                         <a:t>Crossvalidation</a:t>
@@ -8283,91 +8278,12 @@
           <a:chExt cx="0" cy="0"/>
         </a:xfrm>
       </p:grpSpPr>
-      <p:sp>
-        <p:nvSpPr>
-          <p:cNvPr id="3" name="Datumsplatzhalter 2"/>
-          <p:cNvSpPr>
-            <a:spLocks noGrp="1"/>
-          </p:cNvSpPr>
-          <p:nvPr>
-            <p:ph type="dt" sz="half" idx="10"/>
-          </p:nvPr>
-        </p:nvSpPr>
-        <p:spPr/>
-        <p:txBody>
-          <a:bodyPr/>
-          <a:lstStyle/>
-          <a:p>
-            <a:r>
-              <a:rPr lang="de-DE" noProof="0"/>
-              <a:t>12.04.2021</a:t>
-            </a:r>
-            <a:endParaRPr lang="en-US" noProof="0"/>
-          </a:p>
-        </p:txBody>
-      </p:sp>
-      <p:sp>
-        <p:nvSpPr>
-          <p:cNvPr id="4" name="Foliennummernplatzhalter 3"/>
-          <p:cNvSpPr>
-            <a:spLocks noGrp="1"/>
-          </p:cNvSpPr>
-          <p:nvPr>
-            <p:ph type="sldNum" sz="quarter" idx="12"/>
-          </p:nvPr>
-        </p:nvSpPr>
-        <p:spPr/>
-        <p:txBody>
-          <a:bodyPr/>
-          <a:lstStyle/>
-          <a:p>
-            <a:fld id="{61696EC4-B4CF-4701-AD06-A8439D6D8E12}" type="slidenum">
-              <a:rPr lang="en-US" noProof="0" smtClean="0"/>
-              <a:t>6</a:t>
-            </a:fld>
-            <a:endParaRPr lang="en-US" noProof="0"/>
-          </a:p>
-        </p:txBody>
-      </p:sp>
-      <p:sp>
-        <p:nvSpPr>
-          <p:cNvPr id="6" name="Titel 5"/>
-          <p:cNvSpPr>
-            <a:spLocks noGrp="1"/>
-          </p:cNvSpPr>
-          <p:nvPr>
-            <p:ph type="title"/>
-          </p:nvPr>
-        </p:nvSpPr>
-        <p:spPr>
-          <a:xfrm>
-            <a:off x="1439276" y="270894"/>
-            <a:ext cx="5153076" cy="332399"/>
-          </a:xfrm>
-          <a:prstGeom prst="rect">
-            <a:avLst/>
-          </a:prstGeom>
-        </p:spPr>
-        <p:txBody>
-          <a:bodyPr wrap="square">
-            <a:spAutoFit/>
-          </a:bodyPr>
-          <a:lstStyle/>
-          <a:p>
-            <a:r>
-              <a:rPr lang="de-DE" altLang="de-DE" dirty="0"/>
-              <a:t>Vorstellungsrunde Gabriel </a:t>
-            </a:r>
-            <a:endParaRPr lang="de-DE" dirty="0"/>
-          </a:p>
-        </p:txBody>
-      </p:sp>
       <p:pic>
         <p:nvPicPr>
-          <p:cNvPr id="5" name="Picture 4">
+          <p:cNvPr id="11" name="Picture 10" descr="A person with a beard&#10;&#10;Description automatically generated with low confidence">
             <a:extLst>
               <a:ext uri="{FF2B5EF4-FFF2-40B4-BE49-F238E27FC236}">
-                <a16:creationId xmlns:a16="http://schemas.microsoft.com/office/drawing/2014/main" id="{F23D6814-AC1A-4FFD-B4B7-CB65A1B0AD57}"/>
+                <a16:creationId xmlns:a16="http://schemas.microsoft.com/office/drawing/2014/main" id="{90A81345-3A09-4A3B-8A13-F3F70D922358}"/>
               </a:ext>
             </a:extLst>
           </p:cNvPr>
@@ -8390,1020 +8306,345 @@
         </p:blipFill>
         <p:spPr>
           <a:xfrm>
-            <a:off x="1928589" y="949863"/>
-            <a:ext cx="2401906" cy="1801430"/>
+            <a:off x="841703" y="975392"/>
+            <a:ext cx="1526535" cy="2035380"/>
           </a:xfrm>
           <a:prstGeom prst="rect">
             <a:avLst/>
           </a:prstGeom>
         </p:spPr>
       </p:pic>
-      <p:pic>
-        <p:nvPicPr>
-          <p:cNvPr id="7" name="Picture 6">
-            <a:extLst>
-              <a:ext uri="{FF2B5EF4-FFF2-40B4-BE49-F238E27FC236}">
-                <a16:creationId xmlns:a16="http://schemas.microsoft.com/office/drawing/2014/main" id="{029E6125-F754-4D5B-A875-8AF123CE0C2A}"/>
-              </a:ext>
-            </a:extLst>
-          </p:cNvPr>
-          <p:cNvPicPr>
-            <a:picLocks noChangeAspect="1"/>
-          </p:cNvPicPr>
+      <p:sp>
+        <p:nvSpPr>
+          <p:cNvPr id="2" name="Titel 1"/>
+          <p:cNvSpPr>
+            <a:spLocks noGrp="1"/>
+          </p:cNvSpPr>
+          <p:nvPr>
+            <p:ph type="title"/>
+          </p:nvPr>
+        </p:nvSpPr>
+        <p:spPr/>
+        <p:txBody>
+          <a:bodyPr/>
+          <a:lstStyle/>
+          <a:p>
+            <a:r>
+              <a:rPr lang="de-DE" dirty="0"/>
+              <a:t>Das sind wir </a:t>
+            </a:r>
+            <a:r>
+              <a:rPr lang="de-DE" dirty="0">
+                <a:sym typeface="Wingdings" panose="05000000000000000000" pitchFamily="2" charset="2"/>
+              </a:rPr>
+              <a:t></a:t>
+            </a:r>
+            <a:endParaRPr lang="de-DE" dirty="0"/>
+          </a:p>
+        </p:txBody>
+      </p:sp>
+      <p:sp>
+        <p:nvSpPr>
+          <p:cNvPr id="8" name="Textfeld 7"/>
+          <p:cNvSpPr txBox="1"/>
           <p:nvPr/>
-        </p:nvPicPr>
-        <p:blipFill>
-          <a:blip r:embed="rId3" cstate="hqprint">
-            <a:extLst>
-              <a:ext uri="{28A0092B-C50C-407E-A947-70E740481C1C}">
-                <a14:useLocalDpi xmlns:a14="http://schemas.microsoft.com/office/drawing/2010/main" val="0"/>
-              </a:ext>
-            </a:extLst>
-          </a:blip>
-          <a:stretch>
-            <a:fillRect/>
-          </a:stretch>
-        </p:blipFill>
+        </p:nvSpPr>
         <p:spPr>
           <a:xfrm>
-            <a:off x="4629723" y="955442"/>
-            <a:ext cx="2694573" cy="1795850"/>
-          </a:xfrm>
-          <a:prstGeom prst="rect">
-            <a:avLst/>
-          </a:prstGeom>
-        </p:spPr>
-      </p:pic>
-      <p:sp>
-        <p:nvSpPr>
-          <p:cNvPr id="8" name="Text Box 21">
-            <a:extLst>
-              <a:ext uri="{FF2B5EF4-FFF2-40B4-BE49-F238E27FC236}">
-                <a16:creationId xmlns:a16="http://schemas.microsoft.com/office/drawing/2014/main" id="{517B1FED-DBD7-4E9D-A175-2FDF0BF4AA86}"/>
-              </a:ext>
-            </a:extLst>
-          </p:cNvPr>
-          <p:cNvSpPr txBox="1">
-            <a:spLocks noChangeArrowheads="1"/>
-          </p:cNvSpPr>
-          <p:nvPr/>
-        </p:nvSpPr>
-        <p:spPr bwMode="auto">
-          <a:xfrm>
-            <a:off x="2774318" y="2482880"/>
-            <a:ext cx="710451" cy="253916"/>
-          </a:xfrm>
-          <a:prstGeom prst="rect">
-            <a:avLst/>
-          </a:prstGeom>
-          <a:solidFill>
-            <a:schemeClr val="bg1"/>
-          </a:solidFill>
-          <a:ln>
-            <a:noFill/>
-          </a:ln>
-          <a:effectLst/>
-          <a:extLst>
-            <a:ext uri="{91240B29-F687-4F45-9708-019B960494DF}">
-              <a14:hiddenLine xmlns:a14="http://schemas.microsoft.com/office/drawing/2010/main" w="9525">
-                <a:solidFill>
-                  <a:schemeClr val="tx1"/>
-                </a:solidFill>
-                <a:miter lim="800000"/>
-                <a:headEnd/>
-                <a:tailEnd/>
-              </a14:hiddenLine>
-            </a:ext>
-            <a:ext uri="{AF507438-7753-43E0-B8FC-AC1667EBCBE1}">
-              <a14:hiddenEffects xmlns:a14="http://schemas.microsoft.com/office/drawing/2010/main">
-                <a:effectLst>
-                  <a:outerShdw dist="35921" dir="2700000" algn="ctr" rotWithShape="0">
-                    <a:schemeClr val="bg2"/>
-                  </a:outerShdw>
-                </a:effectLst>
-              </a14:hiddenEffects>
-            </a:ext>
-          </a:extLst>
-        </p:spPr>
-        <p:txBody>
-          <a:bodyPr wrap="none">
-            <a:spAutoFit/>
-          </a:bodyPr>
-          <a:lstStyle>
-            <a:lvl1pPr>
-              <a:spcBef>
-                <a:spcPct val="20000"/>
-              </a:spcBef>
-              <a:buSzPct val="90000"/>
-              <a:buBlip>
-                <a:blip r:embed="rId4"/>
-              </a:buBlip>
-              <a:defRPr sz="2000" b="1">
-                <a:solidFill>
-                  <a:schemeClr val="tx1"/>
-                </a:solidFill>
-                <a:latin typeface="Arial" panose="020B0604020202020204" pitchFamily="34" charset="0"/>
-              </a:defRPr>
-            </a:lvl1pPr>
-            <a:lvl2pPr marL="742950" indent="-285750">
-              <a:spcBef>
-                <a:spcPct val="20000"/>
-              </a:spcBef>
-              <a:buSzPct val="90000"/>
-              <a:buBlip>
-                <a:blip r:embed="rId4"/>
-              </a:buBlip>
-              <a:defRPr b="1">
-                <a:solidFill>
-                  <a:schemeClr val="tx1"/>
-                </a:solidFill>
-                <a:latin typeface="Arial" panose="020B0604020202020204" pitchFamily="34" charset="0"/>
-              </a:defRPr>
-            </a:lvl2pPr>
-            <a:lvl3pPr marL="1143000" indent="-228600">
-              <a:spcBef>
-                <a:spcPct val="20000"/>
-              </a:spcBef>
-              <a:buSzPct val="90000"/>
-              <a:buBlip>
-                <a:blip r:embed="rId4"/>
-              </a:buBlip>
-              <a:defRPr sz="1600" b="1">
-                <a:solidFill>
-                  <a:schemeClr val="tx1"/>
-                </a:solidFill>
-                <a:latin typeface="Arial" panose="020B0604020202020204" pitchFamily="34" charset="0"/>
-              </a:defRPr>
-            </a:lvl3pPr>
-            <a:lvl4pPr marL="1600200" indent="-228600">
-              <a:spcBef>
-                <a:spcPct val="20000"/>
-              </a:spcBef>
-              <a:buSzPct val="90000"/>
-              <a:buBlip>
-                <a:blip r:embed="rId4"/>
-              </a:buBlip>
-              <a:defRPr sz="1400" b="1">
-                <a:solidFill>
-                  <a:schemeClr val="tx1"/>
-                </a:solidFill>
-                <a:latin typeface="Arial" panose="020B0604020202020204" pitchFamily="34" charset="0"/>
-              </a:defRPr>
-            </a:lvl4pPr>
-            <a:lvl5pPr marL="2057400" indent="-228600">
-              <a:spcBef>
-                <a:spcPct val="20000"/>
-              </a:spcBef>
-              <a:buSzPct val="90000"/>
-              <a:buBlip>
-                <a:blip r:embed="rId4"/>
-              </a:buBlip>
-              <a:defRPr sz="1400">
-                <a:solidFill>
-                  <a:schemeClr val="tx1"/>
-                </a:solidFill>
-                <a:latin typeface="Arial" panose="020B0604020202020204" pitchFamily="34" charset="0"/>
-              </a:defRPr>
-            </a:lvl5pPr>
-            <a:lvl6pPr marL="2514600" indent="-228600" eaLnBrk="0" fontAlgn="base" hangingPunct="0">
-              <a:spcBef>
-                <a:spcPct val="20000"/>
-              </a:spcBef>
-              <a:spcAft>
-                <a:spcPct val="0"/>
-              </a:spcAft>
-              <a:buSzPct val="90000"/>
-              <a:buBlip>
-                <a:blip r:embed="rId4"/>
-              </a:buBlip>
-              <a:defRPr sz="1400">
-                <a:solidFill>
-                  <a:schemeClr val="tx1"/>
-                </a:solidFill>
-                <a:latin typeface="Arial" panose="020B0604020202020204" pitchFamily="34" charset="0"/>
-              </a:defRPr>
-            </a:lvl6pPr>
-            <a:lvl7pPr marL="2971800" indent="-228600" eaLnBrk="0" fontAlgn="base" hangingPunct="0">
-              <a:spcBef>
-                <a:spcPct val="20000"/>
-              </a:spcBef>
-              <a:spcAft>
-                <a:spcPct val="0"/>
-              </a:spcAft>
-              <a:buSzPct val="90000"/>
-              <a:buBlip>
-                <a:blip r:embed="rId4"/>
-              </a:buBlip>
-              <a:defRPr sz="1400">
-                <a:solidFill>
-                  <a:schemeClr val="tx1"/>
-                </a:solidFill>
-                <a:latin typeface="Arial" panose="020B0604020202020204" pitchFamily="34" charset="0"/>
-              </a:defRPr>
-            </a:lvl7pPr>
-            <a:lvl8pPr marL="3429000" indent="-228600" eaLnBrk="0" fontAlgn="base" hangingPunct="0">
-              <a:spcBef>
-                <a:spcPct val="20000"/>
-              </a:spcBef>
-              <a:spcAft>
-                <a:spcPct val="0"/>
-              </a:spcAft>
-              <a:buSzPct val="90000"/>
-              <a:buBlip>
-                <a:blip r:embed="rId4"/>
-              </a:buBlip>
-              <a:defRPr sz="1400">
-                <a:solidFill>
-                  <a:schemeClr val="tx1"/>
-                </a:solidFill>
-                <a:latin typeface="Arial" panose="020B0604020202020204" pitchFamily="34" charset="0"/>
-              </a:defRPr>
-            </a:lvl8pPr>
-            <a:lvl9pPr marL="3886200" indent="-228600" eaLnBrk="0" fontAlgn="base" hangingPunct="0">
-              <a:spcBef>
-                <a:spcPct val="20000"/>
-              </a:spcBef>
-              <a:spcAft>
-                <a:spcPct val="0"/>
-              </a:spcAft>
-              <a:buSzPct val="90000"/>
-              <a:buBlip>
-                <a:blip r:embed="rId4"/>
-              </a:buBlip>
-              <a:defRPr sz="1400">
-                <a:solidFill>
-                  <a:schemeClr val="tx1"/>
-                </a:solidFill>
-                <a:latin typeface="Arial" panose="020B0604020202020204" pitchFamily="34" charset="0"/>
-              </a:defRPr>
-            </a:lvl9pPr>
-          </a:lstStyle>
-          <a:p>
-            <a:pPr eaLnBrk="1" hangingPunct="1">
-              <a:buSzTx/>
-              <a:buFontTx/>
-              <a:buNone/>
-            </a:pPr>
-            <a:r>
-              <a:rPr lang="de-DE" altLang="de-DE" sz="1050" b="0" dirty="0"/>
-              <a:t>Bis 2002</a:t>
-            </a:r>
-            <a:endParaRPr lang="en-GB" altLang="de-DE" sz="1050" b="0" dirty="0"/>
-          </a:p>
-        </p:txBody>
-      </p:sp>
-      <p:sp>
-        <p:nvSpPr>
-          <p:cNvPr id="9" name="Text Box 21">
-            <a:extLst>
-              <a:ext uri="{FF2B5EF4-FFF2-40B4-BE49-F238E27FC236}">
-                <a16:creationId xmlns:a16="http://schemas.microsoft.com/office/drawing/2014/main" id="{EEB3818B-8CDE-467A-8497-E809BEB04100}"/>
-              </a:ext>
-            </a:extLst>
-          </p:cNvPr>
-          <p:cNvSpPr txBox="1">
-            <a:spLocks noChangeArrowheads="1"/>
-          </p:cNvSpPr>
-          <p:nvPr/>
-        </p:nvSpPr>
-        <p:spPr bwMode="auto">
-          <a:xfrm>
-            <a:off x="5524001" y="2483028"/>
-            <a:ext cx="906017" cy="253916"/>
-          </a:xfrm>
-          <a:prstGeom prst="rect">
-            <a:avLst/>
-          </a:prstGeom>
-          <a:solidFill>
-            <a:schemeClr val="bg1"/>
-          </a:solidFill>
-          <a:ln>
-            <a:noFill/>
-          </a:ln>
-          <a:effectLst/>
-          <a:extLst>
-            <a:ext uri="{91240B29-F687-4F45-9708-019B960494DF}">
-              <a14:hiddenLine xmlns:a14="http://schemas.microsoft.com/office/drawing/2010/main" w="9525">
-                <a:solidFill>
-                  <a:schemeClr val="tx1"/>
-                </a:solidFill>
-                <a:miter lim="800000"/>
-                <a:headEnd/>
-                <a:tailEnd/>
-              </a14:hiddenLine>
-            </a:ext>
-            <a:ext uri="{AF507438-7753-43E0-B8FC-AC1667EBCBE1}">
-              <a14:hiddenEffects xmlns:a14="http://schemas.microsoft.com/office/drawing/2010/main">
-                <a:effectLst>
-                  <a:outerShdw dist="35921" dir="2700000" algn="ctr" rotWithShape="0">
-                    <a:schemeClr val="bg2"/>
-                  </a:outerShdw>
-                </a:effectLst>
-              </a14:hiddenEffects>
-            </a:ext>
-          </a:extLst>
-        </p:spPr>
-        <p:txBody>
-          <a:bodyPr wrap="none">
-            <a:spAutoFit/>
-          </a:bodyPr>
-          <a:lstStyle>
-            <a:lvl1pPr>
-              <a:spcBef>
-                <a:spcPct val="20000"/>
-              </a:spcBef>
-              <a:buSzPct val="90000"/>
-              <a:buBlip>
-                <a:blip r:embed="rId4"/>
-              </a:buBlip>
-              <a:defRPr sz="2000" b="1">
-                <a:solidFill>
-                  <a:schemeClr val="tx1"/>
-                </a:solidFill>
-                <a:latin typeface="Arial" panose="020B0604020202020204" pitchFamily="34" charset="0"/>
-              </a:defRPr>
-            </a:lvl1pPr>
-            <a:lvl2pPr marL="742950" indent="-285750">
-              <a:spcBef>
-                <a:spcPct val="20000"/>
-              </a:spcBef>
-              <a:buSzPct val="90000"/>
-              <a:buBlip>
-                <a:blip r:embed="rId4"/>
-              </a:buBlip>
-              <a:defRPr b="1">
-                <a:solidFill>
-                  <a:schemeClr val="tx1"/>
-                </a:solidFill>
-                <a:latin typeface="Arial" panose="020B0604020202020204" pitchFamily="34" charset="0"/>
-              </a:defRPr>
-            </a:lvl2pPr>
-            <a:lvl3pPr marL="1143000" indent="-228600">
-              <a:spcBef>
-                <a:spcPct val="20000"/>
-              </a:spcBef>
-              <a:buSzPct val="90000"/>
-              <a:buBlip>
-                <a:blip r:embed="rId4"/>
-              </a:buBlip>
-              <a:defRPr sz="1600" b="1">
-                <a:solidFill>
-                  <a:schemeClr val="tx1"/>
-                </a:solidFill>
-                <a:latin typeface="Arial" panose="020B0604020202020204" pitchFamily="34" charset="0"/>
-              </a:defRPr>
-            </a:lvl3pPr>
-            <a:lvl4pPr marL="1600200" indent="-228600">
-              <a:spcBef>
-                <a:spcPct val="20000"/>
-              </a:spcBef>
-              <a:buSzPct val="90000"/>
-              <a:buBlip>
-                <a:blip r:embed="rId4"/>
-              </a:buBlip>
-              <a:defRPr sz="1400" b="1">
-                <a:solidFill>
-                  <a:schemeClr val="tx1"/>
-                </a:solidFill>
-                <a:latin typeface="Arial" panose="020B0604020202020204" pitchFamily="34" charset="0"/>
-              </a:defRPr>
-            </a:lvl4pPr>
-            <a:lvl5pPr marL="2057400" indent="-228600">
-              <a:spcBef>
-                <a:spcPct val="20000"/>
-              </a:spcBef>
-              <a:buSzPct val="90000"/>
-              <a:buBlip>
-                <a:blip r:embed="rId4"/>
-              </a:buBlip>
-              <a:defRPr sz="1400">
-                <a:solidFill>
-                  <a:schemeClr val="tx1"/>
-                </a:solidFill>
-                <a:latin typeface="Arial" panose="020B0604020202020204" pitchFamily="34" charset="0"/>
-              </a:defRPr>
-            </a:lvl5pPr>
-            <a:lvl6pPr marL="2514600" indent="-228600" eaLnBrk="0" fontAlgn="base" hangingPunct="0">
-              <a:spcBef>
-                <a:spcPct val="20000"/>
-              </a:spcBef>
-              <a:spcAft>
-                <a:spcPct val="0"/>
-              </a:spcAft>
-              <a:buSzPct val="90000"/>
-              <a:buBlip>
-                <a:blip r:embed="rId4"/>
-              </a:buBlip>
-              <a:defRPr sz="1400">
-                <a:solidFill>
-                  <a:schemeClr val="tx1"/>
-                </a:solidFill>
-                <a:latin typeface="Arial" panose="020B0604020202020204" pitchFamily="34" charset="0"/>
-              </a:defRPr>
-            </a:lvl6pPr>
-            <a:lvl7pPr marL="2971800" indent="-228600" eaLnBrk="0" fontAlgn="base" hangingPunct="0">
-              <a:spcBef>
-                <a:spcPct val="20000"/>
-              </a:spcBef>
-              <a:spcAft>
-                <a:spcPct val="0"/>
-              </a:spcAft>
-              <a:buSzPct val="90000"/>
-              <a:buBlip>
-                <a:blip r:embed="rId4"/>
-              </a:buBlip>
-              <a:defRPr sz="1400">
-                <a:solidFill>
-                  <a:schemeClr val="tx1"/>
-                </a:solidFill>
-                <a:latin typeface="Arial" panose="020B0604020202020204" pitchFamily="34" charset="0"/>
-              </a:defRPr>
-            </a:lvl7pPr>
-            <a:lvl8pPr marL="3429000" indent="-228600" eaLnBrk="0" fontAlgn="base" hangingPunct="0">
-              <a:spcBef>
-                <a:spcPct val="20000"/>
-              </a:spcBef>
-              <a:spcAft>
-                <a:spcPct val="0"/>
-              </a:spcAft>
-              <a:buSzPct val="90000"/>
-              <a:buBlip>
-                <a:blip r:embed="rId4"/>
-              </a:buBlip>
-              <a:defRPr sz="1400">
-                <a:solidFill>
-                  <a:schemeClr val="tx1"/>
-                </a:solidFill>
-                <a:latin typeface="Arial" panose="020B0604020202020204" pitchFamily="34" charset="0"/>
-              </a:defRPr>
-            </a:lvl8pPr>
-            <a:lvl9pPr marL="3886200" indent="-228600" eaLnBrk="0" fontAlgn="base" hangingPunct="0">
-              <a:spcBef>
-                <a:spcPct val="20000"/>
-              </a:spcBef>
-              <a:spcAft>
-                <a:spcPct val="0"/>
-              </a:spcAft>
-              <a:buSzPct val="90000"/>
-              <a:buBlip>
-                <a:blip r:embed="rId4"/>
-              </a:buBlip>
-              <a:defRPr sz="1400">
-                <a:solidFill>
-                  <a:schemeClr val="tx1"/>
-                </a:solidFill>
-                <a:latin typeface="Arial" panose="020B0604020202020204" pitchFamily="34" charset="0"/>
-              </a:defRPr>
-            </a:lvl9pPr>
-          </a:lstStyle>
-          <a:p>
-            <a:pPr eaLnBrk="1" hangingPunct="1">
-              <a:buSzTx/>
-              <a:buFontTx/>
-              <a:buNone/>
-            </a:pPr>
-            <a:r>
-              <a:rPr lang="de-DE" altLang="de-DE" sz="1050" b="0" dirty="0"/>
-              <a:t>2002 - 2008</a:t>
-            </a:r>
-            <a:endParaRPr lang="en-GB" altLang="de-DE" sz="1050" b="0" dirty="0"/>
-          </a:p>
-        </p:txBody>
-      </p:sp>
-      <p:pic>
-        <p:nvPicPr>
-          <p:cNvPr id="10" name="Picture 9">
-            <a:extLst>
-              <a:ext uri="{FF2B5EF4-FFF2-40B4-BE49-F238E27FC236}">
-                <a16:creationId xmlns:a16="http://schemas.microsoft.com/office/drawing/2014/main" id="{B33D73E4-ED61-44A0-AB7E-665C72A6AD02}"/>
-              </a:ext>
-            </a:extLst>
-          </p:cNvPr>
-          <p:cNvPicPr>
-            <a:picLocks noChangeAspect="1"/>
-          </p:cNvPicPr>
-          <p:nvPr/>
-        </p:nvPicPr>
-        <p:blipFill>
-          <a:blip r:embed="rId5">
-            <a:extLst>
-              <a:ext uri="{28A0092B-C50C-407E-A947-70E740481C1C}">
-                <a14:useLocalDpi xmlns:a14="http://schemas.microsoft.com/office/drawing/2010/main" val="0"/>
-              </a:ext>
-            </a:extLst>
-          </a:blip>
-          <a:stretch>
-            <a:fillRect/>
-          </a:stretch>
-        </p:blipFill>
-        <p:spPr>
-          <a:xfrm>
-            <a:off x="1928589" y="2843472"/>
-            <a:ext cx="2402956" cy="1801430"/>
-          </a:xfrm>
-          <a:prstGeom prst="rect">
-            <a:avLst/>
-          </a:prstGeom>
-        </p:spPr>
-      </p:pic>
-      <p:pic>
-        <p:nvPicPr>
-          <p:cNvPr id="11" name="Picture 42" descr="Karlsruhe-Schloss-meph666-2005-Apr-22">
-            <a:extLst>
-              <a:ext uri="{FF2B5EF4-FFF2-40B4-BE49-F238E27FC236}">
-                <a16:creationId xmlns:a16="http://schemas.microsoft.com/office/drawing/2014/main" id="{0130AE3C-E74D-4290-8A84-A39BB21309BA}"/>
-              </a:ext>
-            </a:extLst>
-          </p:cNvPr>
-          <p:cNvPicPr>
-            <a:picLocks noChangeAspect="1" noChangeArrowheads="1"/>
-          </p:cNvPicPr>
-          <p:nvPr/>
-        </p:nvPicPr>
-        <p:blipFill rotWithShape="1">
-          <a:blip r:embed="rId6">
-            <a:extLst>
-              <a:ext uri="{28A0092B-C50C-407E-A947-70E740481C1C}">
-                <a14:useLocalDpi xmlns:a14="http://schemas.microsoft.com/office/drawing/2010/main" val="0"/>
-              </a:ext>
-            </a:extLst>
-          </a:blip>
-          <a:srcRect/>
-          <a:stretch/>
-        </p:blipFill>
-        <p:spPr bwMode="auto">
-          <a:xfrm>
-            <a:off x="4629722" y="2843472"/>
-            <a:ext cx="2694573" cy="1801430"/>
+            <a:off x="2857500" y="987478"/>
+            <a:ext cx="6118411" cy="3216265"/>
           </a:xfrm>
           <a:prstGeom prst="rect">
             <a:avLst/>
           </a:prstGeom>
           <a:noFill/>
-          <a:ln>
-            <a:noFill/>
-          </a:ln>
-          <a:extLst>
-            <a:ext uri="{909E8E84-426E-40DD-AFC4-6F175D3DCCD1}">
-              <a14:hiddenFill xmlns:a14="http://schemas.microsoft.com/office/drawing/2010/main">
-                <a:solidFill>
-                  <a:srgbClr val="FFFFFF"/>
-                </a:solidFill>
-              </a14:hiddenFill>
-            </a:ext>
-            <a:ext uri="{91240B29-F687-4F45-9708-019B960494DF}">
-              <a14:hiddenLine xmlns:a14="http://schemas.microsoft.com/office/drawing/2010/main" w="9525">
-                <a:solidFill>
-                  <a:srgbClr val="000000"/>
-                </a:solidFill>
-                <a:miter lim="800000"/>
-                <a:headEnd/>
-                <a:tailEnd/>
-              </a14:hiddenLine>
-            </a:ext>
-          </a:extLst>
         </p:spPr>
-      </p:pic>
-      <p:sp>
-        <p:nvSpPr>
-          <p:cNvPr id="12" name="Text Box 21">
-            <a:extLst>
-              <a:ext uri="{FF2B5EF4-FFF2-40B4-BE49-F238E27FC236}">
-                <a16:creationId xmlns:a16="http://schemas.microsoft.com/office/drawing/2014/main" id="{24A5C6BF-EC62-4FA5-9D1E-83163AF7D5B9}"/>
-              </a:ext>
-            </a:extLst>
-          </p:cNvPr>
-          <p:cNvSpPr txBox="1">
-            <a:spLocks noChangeArrowheads="1"/>
-          </p:cNvSpPr>
+        <p:txBody>
+          <a:bodyPr wrap="square" rtlCol="0">
+            <a:spAutoFit/>
+          </a:bodyPr>
+          <a:lstStyle/>
+          <a:p>
+            <a:pPr marL="285750" indent="-285750" eaLnBrk="0" hangingPunct="0">
+              <a:spcBef>
+                <a:spcPts val="600"/>
+              </a:spcBef>
+              <a:buClr>
+                <a:schemeClr val="tx2"/>
+              </a:buClr>
+              <a:buSzPct val="60000"/>
+              <a:buFont typeface="Arial" panose="020B0604020202020204" pitchFamily="34" charset="0"/>
+              <a:buChar char="►"/>
+            </a:pPr>
+            <a:r>
+              <a:rPr lang="de-DE" sz="1400" dirty="0"/>
+              <a:t>Diplom-Ingenieur (2008), PhD (2012)</a:t>
+            </a:r>
+          </a:p>
+          <a:p>
+            <a:pPr marL="285750" indent="-285750" eaLnBrk="0" hangingPunct="0">
+              <a:spcBef>
+                <a:spcPts val="600"/>
+              </a:spcBef>
+              <a:buClr>
+                <a:schemeClr val="tx2"/>
+              </a:buClr>
+              <a:buSzPct val="60000"/>
+              <a:buFont typeface="Arial" panose="020B0604020202020204" pitchFamily="34" charset="0"/>
+              <a:buChar char="►"/>
+            </a:pPr>
+            <a:r>
+              <a:rPr lang="de-DE" sz="1400" dirty="0"/>
+              <a:t>Aktueller Forschungsschwerpunkt:</a:t>
+            </a:r>
+          </a:p>
+          <a:p>
+            <a:pPr marL="628741" lvl="1" indent="-285750" eaLnBrk="0" hangingPunct="0">
+              <a:spcBef>
+                <a:spcPts val="600"/>
+              </a:spcBef>
+              <a:buClr>
+                <a:schemeClr val="tx2"/>
+              </a:buClr>
+              <a:buSzPct val="60000"/>
+              <a:buFont typeface="Arial" panose="020B0604020202020204" pitchFamily="34" charset="0"/>
+              <a:buChar char="►"/>
+            </a:pPr>
+            <a:r>
+              <a:rPr lang="de-DE" sz="1400" dirty="0"/>
+              <a:t>Quantifizierung von Untergrundeigenschaften durch die Antwort des Grundwassers auf Gezeitenkräfte</a:t>
+            </a:r>
+          </a:p>
+          <a:p>
+            <a:pPr marL="285750" indent="-285750" eaLnBrk="0" hangingPunct="0">
+              <a:spcBef>
+                <a:spcPts val="600"/>
+              </a:spcBef>
+              <a:buClr>
+                <a:schemeClr val="tx2"/>
+              </a:buClr>
+              <a:buSzPct val="60000"/>
+              <a:buFont typeface="Arial" panose="020B0604020202020204" pitchFamily="34" charset="0"/>
+              <a:buChar char="►"/>
+            </a:pPr>
+            <a:r>
+              <a:rPr lang="de-DE" sz="1400" dirty="0"/>
+              <a:t>Aktuelle Projekte: EC (</a:t>
+            </a:r>
+            <a:r>
+              <a:rPr lang="de-DE" sz="1400" dirty="0" err="1"/>
+              <a:t>SubTideTools</a:t>
+            </a:r>
+            <a:r>
+              <a:rPr lang="de-DE" sz="1400" dirty="0"/>
+              <a:t>), DFG (</a:t>
+            </a:r>
+            <a:r>
+              <a:rPr lang="de-DE" sz="1400" dirty="0" err="1"/>
+              <a:t>Tidal</a:t>
+            </a:r>
+            <a:r>
+              <a:rPr lang="de-DE" sz="1400" dirty="0"/>
+              <a:t> </a:t>
+            </a:r>
+            <a:r>
+              <a:rPr lang="de-DE" sz="1400" dirty="0" err="1"/>
+              <a:t>Subsurface</a:t>
+            </a:r>
+            <a:r>
+              <a:rPr lang="de-DE" sz="1400" dirty="0"/>
+              <a:t> Analysis)</a:t>
+            </a:r>
+          </a:p>
+          <a:p>
+            <a:pPr marL="285750" indent="-285750" eaLnBrk="0" hangingPunct="0">
+              <a:spcBef>
+                <a:spcPts val="600"/>
+              </a:spcBef>
+              <a:buClr>
+                <a:schemeClr val="tx2"/>
+              </a:buClr>
+              <a:buSzPct val="60000"/>
+              <a:buFont typeface="Arial" panose="020B0604020202020204" pitchFamily="34" charset="0"/>
+              <a:buChar char="►"/>
+            </a:pPr>
+            <a:r>
+              <a:rPr lang="de-DE" sz="1400" dirty="0"/>
+              <a:t>Lehrveranstaltungen in der Ingenieurgeologie: Wissenschaftliches Arbeiten </a:t>
+            </a:r>
+            <a:r>
+              <a:rPr lang="de-DE" sz="1400"/>
+              <a:t>und Kommunizieren, Gelände- </a:t>
+            </a:r>
+            <a:r>
+              <a:rPr lang="de-DE" sz="1400" dirty="0"/>
+              <a:t>und Labormethoden, Geodatenanalyse I + II</a:t>
+            </a:r>
+          </a:p>
+          <a:p>
+            <a:pPr marL="285750" indent="-285750" eaLnBrk="0" hangingPunct="0">
+              <a:spcBef>
+                <a:spcPts val="600"/>
+              </a:spcBef>
+              <a:buClr>
+                <a:schemeClr val="tx2"/>
+              </a:buClr>
+              <a:buSzPct val="60000"/>
+              <a:buFont typeface="Arial" panose="020B0604020202020204" pitchFamily="34" charset="0"/>
+              <a:buChar char="►"/>
+            </a:pPr>
+            <a:r>
+              <a:rPr lang="de-DE" sz="1400" dirty="0"/>
+              <a:t>Webseite: </a:t>
+            </a:r>
+            <a:r>
+              <a:rPr lang="de-DE" sz="1400" dirty="0">
+                <a:hlinkClick r:id="rId3"/>
+              </a:rPr>
+              <a:t>https://hydrogeo.science</a:t>
+            </a:r>
+            <a:r>
+              <a:rPr lang="de-DE" sz="1400" dirty="0"/>
+              <a:t> </a:t>
+            </a:r>
+          </a:p>
+          <a:p>
+            <a:pPr marL="285750" indent="-285750" eaLnBrk="0" hangingPunct="0">
+              <a:spcBef>
+                <a:spcPts val="600"/>
+              </a:spcBef>
+              <a:buClr>
+                <a:schemeClr val="tx2"/>
+              </a:buClr>
+              <a:buSzPct val="60000"/>
+              <a:buFont typeface="Arial" panose="020B0604020202020204" pitchFamily="34" charset="0"/>
+              <a:buChar char="►"/>
+            </a:pPr>
+            <a:r>
+              <a:rPr lang="de-DE" sz="1400" dirty="0"/>
+              <a:t>Google Scholar: </a:t>
+            </a:r>
+            <a:r>
+              <a:rPr lang="de-DE" sz="1400" dirty="0">
+                <a:hlinkClick r:id="rId4"/>
+              </a:rPr>
+              <a:t>https://scholar.google.com/citations?user=I_ehthwAAAAJ&amp;hl=en</a:t>
+            </a:r>
+            <a:endParaRPr lang="de-DE" sz="1400" dirty="0"/>
+          </a:p>
+          <a:p>
+            <a:pPr marL="285750" indent="-285750" eaLnBrk="0" hangingPunct="0">
+              <a:spcBef>
+                <a:spcPts val="600"/>
+              </a:spcBef>
+              <a:buClr>
+                <a:schemeClr val="tx2"/>
+              </a:buClr>
+              <a:buSzPct val="60000"/>
+              <a:buFont typeface="Arial" panose="020B0604020202020204" pitchFamily="34" charset="0"/>
+              <a:buChar char="►"/>
+            </a:pPr>
+            <a:r>
+              <a:rPr lang="de-DE" sz="1400" dirty="0" err="1"/>
+              <a:t>Publons</a:t>
+            </a:r>
+            <a:r>
+              <a:rPr lang="de-DE" sz="1400" dirty="0"/>
+              <a:t>: </a:t>
+            </a:r>
+            <a:r>
+              <a:rPr lang="de-DE" sz="1400" dirty="0">
+                <a:hlinkClick r:id="rId5"/>
+              </a:rPr>
+              <a:t>https://publons.com/researcher/489416/gabriel-c-rau/</a:t>
+            </a:r>
+            <a:r>
+              <a:rPr lang="de-DE" sz="1400" dirty="0"/>
+              <a:t> </a:t>
+            </a:r>
+          </a:p>
+        </p:txBody>
+      </p:sp>
+      <p:sp>
+        <p:nvSpPr>
+          <p:cNvPr id="9" name="Textfeld 8"/>
+          <p:cNvSpPr txBox="1"/>
           <p:nvPr/>
         </p:nvSpPr>
-        <p:spPr bwMode="auto">
+        <p:spPr>
           <a:xfrm>
-            <a:off x="2677060" y="4362962"/>
-            <a:ext cx="906017" cy="253916"/>
+            <a:off x="849751" y="3082942"/>
+            <a:ext cx="1543823" cy="300082"/>
           </a:xfrm>
           <a:prstGeom prst="rect">
             <a:avLst/>
           </a:prstGeom>
-          <a:solidFill>
-            <a:schemeClr val="bg1"/>
-          </a:solidFill>
-          <a:ln>
-            <a:noFill/>
-          </a:ln>
-          <a:effectLst/>
-          <a:extLst>
-            <a:ext uri="{91240B29-F687-4F45-9708-019B960494DF}">
-              <a14:hiddenLine xmlns:a14="http://schemas.microsoft.com/office/drawing/2010/main" w="9525">
-                <a:solidFill>
-                  <a:schemeClr val="tx1"/>
-                </a:solidFill>
-                <a:miter lim="800000"/>
-                <a:headEnd/>
-                <a:tailEnd/>
-              </a14:hiddenLine>
-            </a:ext>
-            <a:ext uri="{AF507438-7753-43E0-B8FC-AC1667EBCBE1}">
-              <a14:hiddenEffects xmlns:a14="http://schemas.microsoft.com/office/drawing/2010/main">
-                <a:effectLst>
-                  <a:outerShdw dist="35921" dir="2700000" algn="ctr" rotWithShape="0">
-                    <a:schemeClr val="bg2"/>
-                  </a:outerShdw>
-                </a:effectLst>
-              </a14:hiddenEffects>
-            </a:ext>
-          </a:extLst>
+          <a:noFill/>
         </p:spPr>
         <p:txBody>
-          <a:bodyPr wrap="none">
+          <a:bodyPr wrap="square" rtlCol="0">
             <a:spAutoFit/>
           </a:bodyPr>
-          <a:lstStyle>
-            <a:lvl1pPr>
-              <a:spcBef>
-                <a:spcPct val="20000"/>
-              </a:spcBef>
-              <a:buSzPct val="90000"/>
-              <a:buBlip>
-                <a:blip r:embed="rId4"/>
-              </a:buBlip>
-              <a:defRPr sz="2000" b="1">
-                <a:solidFill>
-                  <a:schemeClr val="tx1"/>
-                </a:solidFill>
-                <a:latin typeface="Arial" panose="020B0604020202020204" pitchFamily="34" charset="0"/>
-              </a:defRPr>
-            </a:lvl1pPr>
-            <a:lvl2pPr marL="742950" indent="-285750">
-              <a:spcBef>
-                <a:spcPct val="20000"/>
-              </a:spcBef>
-              <a:buSzPct val="90000"/>
-              <a:buBlip>
-                <a:blip r:embed="rId4"/>
-              </a:buBlip>
-              <a:defRPr b="1">
-                <a:solidFill>
-                  <a:schemeClr val="tx1"/>
-                </a:solidFill>
-                <a:latin typeface="Arial" panose="020B0604020202020204" pitchFamily="34" charset="0"/>
-              </a:defRPr>
-            </a:lvl2pPr>
-            <a:lvl3pPr marL="1143000" indent="-228600">
-              <a:spcBef>
-                <a:spcPct val="20000"/>
-              </a:spcBef>
-              <a:buSzPct val="90000"/>
-              <a:buBlip>
-                <a:blip r:embed="rId4"/>
-              </a:buBlip>
-              <a:defRPr sz="1600" b="1">
-                <a:solidFill>
-                  <a:schemeClr val="tx1"/>
-                </a:solidFill>
-                <a:latin typeface="Arial" panose="020B0604020202020204" pitchFamily="34" charset="0"/>
-              </a:defRPr>
-            </a:lvl3pPr>
-            <a:lvl4pPr marL="1600200" indent="-228600">
-              <a:spcBef>
-                <a:spcPct val="20000"/>
-              </a:spcBef>
-              <a:buSzPct val="90000"/>
-              <a:buBlip>
-                <a:blip r:embed="rId4"/>
-              </a:buBlip>
-              <a:defRPr sz="1400" b="1">
-                <a:solidFill>
-                  <a:schemeClr val="tx1"/>
-                </a:solidFill>
-                <a:latin typeface="Arial" panose="020B0604020202020204" pitchFamily="34" charset="0"/>
-              </a:defRPr>
-            </a:lvl4pPr>
-            <a:lvl5pPr marL="2057400" indent="-228600">
-              <a:spcBef>
-                <a:spcPct val="20000"/>
-              </a:spcBef>
-              <a:buSzPct val="90000"/>
-              <a:buBlip>
-                <a:blip r:embed="rId4"/>
-              </a:buBlip>
-              <a:defRPr sz="1400">
-                <a:solidFill>
-                  <a:schemeClr val="tx1"/>
-                </a:solidFill>
-                <a:latin typeface="Arial" panose="020B0604020202020204" pitchFamily="34" charset="0"/>
-              </a:defRPr>
-            </a:lvl5pPr>
-            <a:lvl6pPr marL="2514600" indent="-228600" eaLnBrk="0" fontAlgn="base" hangingPunct="0">
-              <a:spcBef>
-                <a:spcPct val="20000"/>
-              </a:spcBef>
-              <a:spcAft>
-                <a:spcPct val="0"/>
-              </a:spcAft>
-              <a:buSzPct val="90000"/>
-              <a:buBlip>
-                <a:blip r:embed="rId4"/>
-              </a:buBlip>
-              <a:defRPr sz="1400">
-                <a:solidFill>
-                  <a:schemeClr val="tx1"/>
-                </a:solidFill>
-                <a:latin typeface="Arial" panose="020B0604020202020204" pitchFamily="34" charset="0"/>
-              </a:defRPr>
-            </a:lvl6pPr>
-            <a:lvl7pPr marL="2971800" indent="-228600" eaLnBrk="0" fontAlgn="base" hangingPunct="0">
-              <a:spcBef>
-                <a:spcPct val="20000"/>
-              </a:spcBef>
-              <a:spcAft>
-                <a:spcPct val="0"/>
-              </a:spcAft>
-              <a:buSzPct val="90000"/>
-              <a:buBlip>
-                <a:blip r:embed="rId4"/>
-              </a:buBlip>
-              <a:defRPr sz="1400">
-                <a:solidFill>
-                  <a:schemeClr val="tx1"/>
-                </a:solidFill>
-                <a:latin typeface="Arial" panose="020B0604020202020204" pitchFamily="34" charset="0"/>
-              </a:defRPr>
-            </a:lvl7pPr>
-            <a:lvl8pPr marL="3429000" indent="-228600" eaLnBrk="0" fontAlgn="base" hangingPunct="0">
-              <a:spcBef>
-                <a:spcPct val="20000"/>
-              </a:spcBef>
-              <a:spcAft>
-                <a:spcPct val="0"/>
-              </a:spcAft>
-              <a:buSzPct val="90000"/>
-              <a:buBlip>
-                <a:blip r:embed="rId4"/>
-              </a:buBlip>
-              <a:defRPr sz="1400">
-                <a:solidFill>
-                  <a:schemeClr val="tx1"/>
-                </a:solidFill>
-                <a:latin typeface="Arial" panose="020B0604020202020204" pitchFamily="34" charset="0"/>
-              </a:defRPr>
-            </a:lvl8pPr>
-            <a:lvl9pPr marL="3886200" indent="-228600" eaLnBrk="0" fontAlgn="base" hangingPunct="0">
-              <a:spcBef>
-                <a:spcPct val="20000"/>
-              </a:spcBef>
-              <a:spcAft>
-                <a:spcPct val="0"/>
-              </a:spcAft>
-              <a:buSzPct val="90000"/>
-              <a:buBlip>
-                <a:blip r:embed="rId4"/>
-              </a:buBlip>
-              <a:defRPr sz="1400">
-                <a:solidFill>
-                  <a:schemeClr val="tx1"/>
-                </a:solidFill>
-                <a:latin typeface="Arial" panose="020B0604020202020204" pitchFamily="34" charset="0"/>
-              </a:defRPr>
-            </a:lvl9pPr>
-          </a:lstStyle>
-          <a:p>
-            <a:pPr eaLnBrk="1" hangingPunct="1">
-              <a:buSzTx/>
-              <a:buFontTx/>
-              <a:buNone/>
-            </a:pPr>
-            <a:r>
-              <a:rPr lang="de-DE" altLang="de-DE" sz="1050" b="0" dirty="0"/>
-              <a:t>2008 - 2018</a:t>
-            </a:r>
-            <a:endParaRPr lang="en-GB" altLang="de-DE" sz="1050" b="0" dirty="0"/>
-          </a:p>
-        </p:txBody>
-      </p:sp>
-      <p:sp>
-        <p:nvSpPr>
-          <p:cNvPr id="13" name="Text Box 21">
-            <a:extLst>
-              <a:ext uri="{FF2B5EF4-FFF2-40B4-BE49-F238E27FC236}">
-                <a16:creationId xmlns:a16="http://schemas.microsoft.com/office/drawing/2014/main" id="{08F829FC-9ED9-495C-AF37-4A8DBB4B57CD}"/>
-              </a:ext>
-            </a:extLst>
-          </p:cNvPr>
-          <p:cNvSpPr txBox="1">
-            <a:spLocks noChangeArrowheads="1"/>
+          <a:lstStyle/>
+          <a:p>
+            <a:pPr algn="ctr"/>
+            <a:r>
+              <a:rPr lang="de-DE" sz="1350" dirty="0"/>
+              <a:t>Gabriel Rau</a:t>
+            </a:r>
+          </a:p>
+        </p:txBody>
+      </p:sp>
+      <p:sp>
+        <p:nvSpPr>
+          <p:cNvPr id="3" name="Foliennummernplatzhalter 2"/>
+          <p:cNvSpPr>
+            <a:spLocks noGrp="1"/>
           </p:cNvSpPr>
-          <p:nvPr/>
-        </p:nvSpPr>
-        <p:spPr bwMode="auto">
-          <a:xfrm>
-            <a:off x="5637011" y="4362962"/>
-            <a:ext cx="755335" cy="253916"/>
-          </a:xfrm>
-          <a:prstGeom prst="rect">
-            <a:avLst/>
-          </a:prstGeom>
-          <a:solidFill>
-            <a:schemeClr val="bg1"/>
-          </a:solidFill>
-          <a:ln>
-            <a:noFill/>
-          </a:ln>
-          <a:effectLst/>
-          <a:extLst>
-            <a:ext uri="{91240B29-F687-4F45-9708-019B960494DF}">
-              <a14:hiddenLine xmlns:a14="http://schemas.microsoft.com/office/drawing/2010/main" w="9525">
-                <a:solidFill>
-                  <a:schemeClr val="tx1"/>
-                </a:solidFill>
-                <a:miter lim="800000"/>
-                <a:headEnd/>
-                <a:tailEnd/>
-              </a14:hiddenLine>
-            </a:ext>
-            <a:ext uri="{AF507438-7753-43E0-B8FC-AC1667EBCBE1}">
-              <a14:hiddenEffects xmlns:a14="http://schemas.microsoft.com/office/drawing/2010/main">
-                <a:effectLst>
-                  <a:outerShdw dist="35921" dir="2700000" algn="ctr" rotWithShape="0">
-                    <a:schemeClr val="bg2"/>
-                  </a:outerShdw>
-                </a:effectLst>
-              </a14:hiddenEffects>
-            </a:ext>
-          </a:extLst>
-        </p:spPr>
-        <p:txBody>
-          <a:bodyPr wrap="none">
-            <a:spAutoFit/>
-          </a:bodyPr>
-          <a:lstStyle>
-            <a:lvl1pPr>
-              <a:spcBef>
-                <a:spcPct val="20000"/>
-              </a:spcBef>
-              <a:buSzPct val="90000"/>
-              <a:buBlip>
-                <a:blip r:embed="rId4"/>
-              </a:buBlip>
-              <a:defRPr sz="2000" b="1">
-                <a:solidFill>
-                  <a:schemeClr val="tx1"/>
-                </a:solidFill>
-                <a:latin typeface="Arial" panose="020B0604020202020204" pitchFamily="34" charset="0"/>
-              </a:defRPr>
-            </a:lvl1pPr>
-            <a:lvl2pPr marL="742950" indent="-285750">
-              <a:spcBef>
-                <a:spcPct val="20000"/>
-              </a:spcBef>
-              <a:buSzPct val="90000"/>
-              <a:buBlip>
-                <a:blip r:embed="rId4"/>
-              </a:buBlip>
-              <a:defRPr b="1">
-                <a:solidFill>
-                  <a:schemeClr val="tx1"/>
-                </a:solidFill>
-                <a:latin typeface="Arial" panose="020B0604020202020204" pitchFamily="34" charset="0"/>
-              </a:defRPr>
-            </a:lvl2pPr>
-            <a:lvl3pPr marL="1143000" indent="-228600">
-              <a:spcBef>
-                <a:spcPct val="20000"/>
-              </a:spcBef>
-              <a:buSzPct val="90000"/>
-              <a:buBlip>
-                <a:blip r:embed="rId4"/>
-              </a:buBlip>
-              <a:defRPr sz="1600" b="1">
-                <a:solidFill>
-                  <a:schemeClr val="tx1"/>
-                </a:solidFill>
-                <a:latin typeface="Arial" panose="020B0604020202020204" pitchFamily="34" charset="0"/>
-              </a:defRPr>
-            </a:lvl3pPr>
-            <a:lvl4pPr marL="1600200" indent="-228600">
-              <a:spcBef>
-                <a:spcPct val="20000"/>
-              </a:spcBef>
-              <a:buSzPct val="90000"/>
-              <a:buBlip>
-                <a:blip r:embed="rId4"/>
-              </a:buBlip>
-              <a:defRPr sz="1400" b="1">
-                <a:solidFill>
-                  <a:schemeClr val="tx1"/>
-                </a:solidFill>
-                <a:latin typeface="Arial" panose="020B0604020202020204" pitchFamily="34" charset="0"/>
-              </a:defRPr>
-            </a:lvl4pPr>
-            <a:lvl5pPr marL="2057400" indent="-228600">
-              <a:spcBef>
-                <a:spcPct val="20000"/>
-              </a:spcBef>
-              <a:buSzPct val="90000"/>
-              <a:buBlip>
-                <a:blip r:embed="rId4"/>
-              </a:buBlip>
-              <a:defRPr sz="1400">
-                <a:solidFill>
-                  <a:schemeClr val="tx1"/>
-                </a:solidFill>
-                <a:latin typeface="Arial" panose="020B0604020202020204" pitchFamily="34" charset="0"/>
-              </a:defRPr>
-            </a:lvl5pPr>
-            <a:lvl6pPr marL="2514600" indent="-228600" eaLnBrk="0" fontAlgn="base" hangingPunct="0">
-              <a:spcBef>
-                <a:spcPct val="20000"/>
-              </a:spcBef>
-              <a:spcAft>
-                <a:spcPct val="0"/>
-              </a:spcAft>
-              <a:buSzPct val="90000"/>
-              <a:buBlip>
-                <a:blip r:embed="rId4"/>
-              </a:buBlip>
-              <a:defRPr sz="1400">
-                <a:solidFill>
-                  <a:schemeClr val="tx1"/>
-                </a:solidFill>
-                <a:latin typeface="Arial" panose="020B0604020202020204" pitchFamily="34" charset="0"/>
-              </a:defRPr>
-            </a:lvl6pPr>
-            <a:lvl7pPr marL="2971800" indent="-228600" eaLnBrk="0" fontAlgn="base" hangingPunct="0">
-              <a:spcBef>
-                <a:spcPct val="20000"/>
-              </a:spcBef>
-              <a:spcAft>
-                <a:spcPct val="0"/>
-              </a:spcAft>
-              <a:buSzPct val="90000"/>
-              <a:buBlip>
-                <a:blip r:embed="rId4"/>
-              </a:buBlip>
-              <a:defRPr sz="1400">
-                <a:solidFill>
-                  <a:schemeClr val="tx1"/>
-                </a:solidFill>
-                <a:latin typeface="Arial" panose="020B0604020202020204" pitchFamily="34" charset="0"/>
-              </a:defRPr>
-            </a:lvl7pPr>
-            <a:lvl8pPr marL="3429000" indent="-228600" eaLnBrk="0" fontAlgn="base" hangingPunct="0">
-              <a:spcBef>
-                <a:spcPct val="20000"/>
-              </a:spcBef>
-              <a:spcAft>
-                <a:spcPct val="0"/>
-              </a:spcAft>
-              <a:buSzPct val="90000"/>
-              <a:buBlip>
-                <a:blip r:embed="rId4"/>
-              </a:buBlip>
-              <a:defRPr sz="1400">
-                <a:solidFill>
-                  <a:schemeClr val="tx1"/>
-                </a:solidFill>
-                <a:latin typeface="Arial" panose="020B0604020202020204" pitchFamily="34" charset="0"/>
-              </a:defRPr>
-            </a:lvl8pPr>
-            <a:lvl9pPr marL="3886200" indent="-228600" eaLnBrk="0" fontAlgn="base" hangingPunct="0">
-              <a:spcBef>
-                <a:spcPct val="20000"/>
-              </a:spcBef>
-              <a:spcAft>
-                <a:spcPct val="0"/>
-              </a:spcAft>
-              <a:buSzPct val="90000"/>
-              <a:buBlip>
-                <a:blip r:embed="rId4"/>
-              </a:buBlip>
-              <a:defRPr sz="1400">
-                <a:solidFill>
-                  <a:schemeClr val="tx1"/>
-                </a:solidFill>
-                <a:latin typeface="Arial" panose="020B0604020202020204" pitchFamily="34" charset="0"/>
-              </a:defRPr>
-            </a:lvl9pPr>
-          </a:lstStyle>
-          <a:p>
-            <a:pPr eaLnBrk="1" hangingPunct="1">
-              <a:buSzTx/>
-              <a:buFontTx/>
-              <a:buNone/>
-            </a:pPr>
-            <a:r>
-              <a:rPr lang="de-DE" altLang="de-DE" sz="1050" b="0" dirty="0"/>
-              <a:t>Seit 2018</a:t>
-            </a:r>
-            <a:endParaRPr lang="en-GB" altLang="de-DE" sz="1050" b="0" dirty="0"/>
+          <p:nvPr>
+            <p:ph type="sldNum" sz="quarter" idx="12"/>
+          </p:nvPr>
+        </p:nvSpPr>
+        <p:spPr/>
+        <p:txBody>
+          <a:bodyPr/>
+          <a:lstStyle/>
+          <a:p>
+            <a:fld id="{61696EC4-B4CF-4701-AD06-A8439D6D8E12}" type="slidenum">
+              <a:rPr lang="en-US" noProof="0" smtClean="0"/>
+              <a:t>6</a:t>
+            </a:fld>
+            <a:endParaRPr lang="en-US" noProof="0"/>
+          </a:p>
+        </p:txBody>
+      </p:sp>
+      <p:sp>
+        <p:nvSpPr>
+          <p:cNvPr id="4" name="Datumsplatzhalter 3"/>
+          <p:cNvSpPr>
+            <a:spLocks noGrp="1"/>
+          </p:cNvSpPr>
+          <p:nvPr>
+            <p:ph type="dt" sz="half" idx="10"/>
+          </p:nvPr>
+        </p:nvSpPr>
+        <p:spPr/>
+        <p:txBody>
+          <a:bodyPr/>
+          <a:lstStyle/>
+          <a:p>
+            <a:r>
+              <a:rPr lang="de-DE" noProof="0"/>
+              <a:t>12.04.2021</a:t>
+            </a:r>
+            <a:endParaRPr lang="en-US" noProof="0"/>
           </a:p>
         </p:txBody>
       </p:sp>
     </p:spTree>
     <p:extLst>
       <p:ext uri="{BB962C8B-B14F-4D97-AF65-F5344CB8AC3E}">
-        <p14:creationId xmlns:p14="http://schemas.microsoft.com/office/powerpoint/2010/main" val="704257644"/>
+        <p14:creationId xmlns:p14="http://schemas.microsoft.com/office/powerpoint/2010/main" val="3786255008"/>
       </p:ext>
     </p:extLst>
   </p:cSld>

--- a/Woche-1_(Introduction)/Geodatenanalyse_Präsentation_Vorbesprechung.pptx
+++ b/Woche-1_(Introduction)/Geodatenanalyse_Präsentation_Vorbesprechung.pptx
@@ -155,7 +155,7 @@
   <pc:docChgLst>
     <pc:chgData name="Gabriel Rau" userId="122ed023-10ac-44cd-a965-955e46ad430f" providerId="ADAL" clId="{A7148A15-430B-481D-8817-0C5E6BF12D9C}"/>
     <pc:docChg chg="undo custSel addSld delSld modSld">
-      <pc:chgData name="Gabriel Rau" userId="122ed023-10ac-44cd-a965-955e46ad430f" providerId="ADAL" clId="{A7148A15-430B-481D-8817-0C5E6BF12D9C}" dt="2021-04-06T10:24:35.519" v="603" actId="20577"/>
+      <pc:chgData name="Gabriel Rau" userId="122ed023-10ac-44cd-a965-955e46ad430f" providerId="ADAL" clId="{A7148A15-430B-481D-8817-0C5E6BF12D9C}" dt="2021-04-06T10:30:30.522" v="644" actId="2162"/>
       <pc:docMkLst>
         <pc:docMk/>
       </pc:docMkLst>
@@ -165,6 +165,21 @@
           <pc:docMk/>
           <pc:sldMk cId="704257644" sldId="410"/>
         </pc:sldMkLst>
+      </pc:sldChg>
+      <pc:sldChg chg="modSp mod">
+        <pc:chgData name="Gabriel Rau" userId="122ed023-10ac-44cd-a965-955e46ad430f" providerId="ADAL" clId="{A7148A15-430B-481D-8817-0C5E6BF12D9C}" dt="2021-04-06T10:30:30.522" v="644" actId="2162"/>
+        <pc:sldMkLst>
+          <pc:docMk/>
+          <pc:sldMk cId="1660895375" sldId="412"/>
+        </pc:sldMkLst>
+        <pc:graphicFrameChg chg="mod modGraphic">
+          <ac:chgData name="Gabriel Rau" userId="122ed023-10ac-44cd-a965-955e46ad430f" providerId="ADAL" clId="{A7148A15-430B-481D-8817-0C5E6BF12D9C}" dt="2021-04-06T10:30:30.522" v="644" actId="2162"/>
+          <ac:graphicFrameMkLst>
+            <pc:docMk/>
+            <pc:sldMk cId="1660895375" sldId="412"/>
+            <ac:graphicFrameMk id="2" creationId="{00000000-0000-0000-0000-000000000000}"/>
+          </ac:graphicFrameMkLst>
+        </pc:graphicFrameChg>
       </pc:sldChg>
       <pc:sldChg chg="addSp delSp modSp add mod">
         <pc:chgData name="Gabriel Rau" userId="122ed023-10ac-44cd-a965-955e46ad430f" providerId="ADAL" clId="{A7148A15-430B-481D-8817-0C5E6BF12D9C}" dt="2021-04-06T10:24:35.519" v="603" actId="20577"/>
@@ -4856,7 +4871,7 @@
           <p:nvPr>
             <p:extLst>
               <p:ext uri="{D42A27DB-BD31-4B8C-83A1-F6EECF244321}">
-                <p14:modId xmlns:p14="http://schemas.microsoft.com/office/powerpoint/2010/main" val="245037578"/>
+                <p14:modId xmlns:p14="http://schemas.microsoft.com/office/powerpoint/2010/main" val="219786605"/>
               </p:ext>
             </p:extLst>
           </p:nvPr>
@@ -5318,7 +5333,7 @@
                     <a:p>
                       <a:pPr algn="ctr" rtl="0" fontAlgn="b"/>
                       <a:r>
-                        <a:rPr lang="de-DE" sz="1000">
+                        <a:rPr lang="de-DE" sz="1000" dirty="0">
                           <a:effectLst/>
                         </a:rPr>
                         <a:t>Gabriel</a:t>

--- a/Woche-1_(Introduction)/Geodatenanalyse_Präsentation_Vorbesprechung.pptx
+++ b/Woche-1_(Introduction)/Geodatenanalyse_Präsentation_Vorbesprechung.pptx
@@ -473,7 +473,7 @@
           <a:p>
             <a:fld id="{E13F729A-0AF0-4995-B32B-9504BC68960C}" type="slidenum">
               <a:rPr lang="de-DE" smtClean="0"/>
-              <a:t>‹#›</a:t>
+              <a:t>‹Nr.›</a:t>
             </a:fld>
             <a:endParaRPr lang="de-DE"/>
           </a:p>
@@ -1008,6 +1008,10 @@
               <a:rPr lang="de-DE" dirty="0" err="1"/>
               <a:t>bold</a:t>
             </a:r>
+            <a:r>
+              <a:rPr lang="de-DE" dirty="0"/>
+              <a:t/>
+            </a:r>
             <a:br>
               <a:rPr lang="de-DE" dirty="0"/>
             </a:br>
@@ -1239,7 +1243,7 @@
           <a:p>
             <a:fld id="{61696EC4-B4CF-4701-AD06-A8439D6D8E12}" type="slidenum">
               <a:rPr lang="en-US" noProof="0" smtClean="0"/>
-              <a:t>‹#›</a:t>
+              <a:t>‹Nr.›</a:t>
             </a:fld>
             <a:endParaRPr lang="en-US" noProof="0"/>
           </a:p>
@@ -1755,7 +1759,7 @@
           <a:p>
             <a:fld id="{61696EC4-B4CF-4701-AD06-A8439D6D8E12}" type="slidenum">
               <a:rPr lang="de-DE" smtClean="0"/>
-              <a:t>‹#›</a:t>
+              <a:t>‹Nr.›</a:t>
             </a:fld>
             <a:endParaRPr lang="de-DE"/>
           </a:p>
@@ -2201,7 +2205,7 @@
           <a:p>
             <a:fld id="{61696EC4-B4CF-4701-AD06-A8439D6D8E12}" type="slidenum">
               <a:rPr lang="de-DE" smtClean="0"/>
-              <a:t>‹#›</a:t>
+              <a:t>‹Nr.›</a:t>
             </a:fld>
             <a:endParaRPr lang="de-DE"/>
           </a:p>
@@ -2327,7 +2331,7 @@
           <a:p>
             <a:fld id="{61696EC4-B4CF-4701-AD06-A8439D6D8E12}" type="slidenum">
               <a:rPr lang="de-DE" smtClean="0"/>
-              <a:t>‹#›</a:t>
+              <a:t>‹Nr.›</a:t>
             </a:fld>
             <a:endParaRPr lang="de-DE"/>
           </a:p>
@@ -2492,7 +2496,7 @@
           <a:p>
             <a:fld id="{61696EC4-B4CF-4701-AD06-A8439D6D8E12}" type="slidenum">
               <a:rPr lang="de-DE" smtClean="0"/>
-              <a:t>‹#›</a:t>
+              <a:t>‹Nr.›</a:t>
             </a:fld>
             <a:endParaRPr lang="de-DE"/>
           </a:p>
@@ -2860,7 +2864,7 @@
             <a:fld id="{61696EC4-B4CF-4701-AD06-A8439D6D8E12}" type="slidenum">
               <a:rPr lang="en-US" smtClean="0"/>
               <a:pPr/>
-              <a:t>‹#›</a:t>
+              <a:t>‹Nr.›</a:t>
             </a:fld>
             <a:endParaRPr lang="en-US" dirty="0"/>
           </a:p>
@@ -4856,9 +4860,10 @@
           <a:lstStyle/>
           <a:p>
             <a:r>
-              <a:rPr lang="de-DE" dirty="0"/>
-              <a:t>Terminplan</a:t>
-            </a:r>
+              <a:rPr lang="de-DE" dirty="0" smtClean="0"/>
+              <a:t>Terminplan (Uhrzeit jeweils 14 - 16:30 Uhr)</a:t>
+            </a:r>
+            <a:endParaRPr lang="de-DE" dirty="0"/>
           </a:p>
         </p:txBody>
       </p:sp>
